--- a/journalSwarmControl/pictures/Unusedpdf/SwarmRun.pptx
+++ b/journalSwarmControl/pictures/Unusedpdf/SwarmRun.pptx
@@ -104,6 +104,11 @@
       </a:defRPr>
     </a:lvl9pPr>
   </p:defaultTextStyle>
+  <p:extLst>
+    <p:ext uri="{EFAFB233-063F-42B5-8137-9DF3F51BA10A}">
+      <p15:sldGuideLst xmlns:p15="http://schemas.microsoft.com/office/powerpoint/2012/main"/>
+    </p:ext>
+  </p:extLst>
 </p:presentation>
 </file>
 
@@ -238,7 +243,7 @@
           <a:p>
             <a:fld id="{C9846A49-030C-45A5-8D73-C8F089512261}" type="datetimeFigureOut">
               <a:rPr lang="en-US" smtClean="0"/>
-              <a:t>7/28/2016</a:t>
+              <a:t>10/3/17</a:t>
             </a:fld>
             <a:endParaRPr lang="en-US"/>
           </a:p>
@@ -408,7 +413,7 @@
           <a:p>
             <a:fld id="{C9846A49-030C-45A5-8D73-C8F089512261}" type="datetimeFigureOut">
               <a:rPr lang="en-US" smtClean="0"/>
-              <a:t>7/28/2016</a:t>
+              <a:t>10/3/17</a:t>
             </a:fld>
             <a:endParaRPr lang="en-US"/>
           </a:p>
@@ -588,7 +593,7 @@
           <a:p>
             <a:fld id="{C9846A49-030C-45A5-8D73-C8F089512261}" type="datetimeFigureOut">
               <a:rPr lang="en-US" smtClean="0"/>
-              <a:t>7/28/2016</a:t>
+              <a:t>10/3/17</a:t>
             </a:fld>
             <a:endParaRPr lang="en-US"/>
           </a:p>
@@ -758,7 +763,7 @@
           <a:p>
             <a:fld id="{C9846A49-030C-45A5-8D73-C8F089512261}" type="datetimeFigureOut">
               <a:rPr lang="en-US" smtClean="0"/>
-              <a:t>7/28/2016</a:t>
+              <a:t>10/3/17</a:t>
             </a:fld>
             <a:endParaRPr lang="en-US"/>
           </a:p>
@@ -1004,7 +1009,7 @@
           <a:p>
             <a:fld id="{C9846A49-030C-45A5-8D73-C8F089512261}" type="datetimeFigureOut">
               <a:rPr lang="en-US" smtClean="0"/>
-              <a:t>7/28/2016</a:t>
+              <a:t>10/3/17</a:t>
             </a:fld>
             <a:endParaRPr lang="en-US"/>
           </a:p>
@@ -1236,7 +1241,7 @@
           <a:p>
             <a:fld id="{C9846A49-030C-45A5-8D73-C8F089512261}" type="datetimeFigureOut">
               <a:rPr lang="en-US" smtClean="0"/>
-              <a:t>7/28/2016</a:t>
+              <a:t>10/3/17</a:t>
             </a:fld>
             <a:endParaRPr lang="en-US"/>
           </a:p>
@@ -1603,7 +1608,7 @@
           <a:p>
             <a:fld id="{C9846A49-030C-45A5-8D73-C8F089512261}" type="datetimeFigureOut">
               <a:rPr lang="en-US" smtClean="0"/>
-              <a:t>7/28/2016</a:t>
+              <a:t>10/3/17</a:t>
             </a:fld>
             <a:endParaRPr lang="en-US"/>
           </a:p>
@@ -1721,7 +1726,7 @@
           <a:p>
             <a:fld id="{C9846A49-030C-45A5-8D73-C8F089512261}" type="datetimeFigureOut">
               <a:rPr lang="en-US" smtClean="0"/>
-              <a:t>7/28/2016</a:t>
+              <a:t>10/3/17</a:t>
             </a:fld>
             <a:endParaRPr lang="en-US"/>
           </a:p>
@@ -1816,7 +1821,7 @@
           <a:p>
             <a:fld id="{C9846A49-030C-45A5-8D73-C8F089512261}" type="datetimeFigureOut">
               <a:rPr lang="en-US" smtClean="0"/>
-              <a:t>7/28/2016</a:t>
+              <a:t>10/3/17</a:t>
             </a:fld>
             <a:endParaRPr lang="en-US"/>
           </a:p>
@@ -2093,7 +2098,7 @@
           <a:p>
             <a:fld id="{C9846A49-030C-45A5-8D73-C8F089512261}" type="datetimeFigureOut">
               <a:rPr lang="en-US" smtClean="0"/>
-              <a:t>7/28/2016</a:t>
+              <a:t>10/3/17</a:t>
             </a:fld>
             <a:endParaRPr lang="en-US"/>
           </a:p>
@@ -2350,7 +2355,7 @@
           <a:p>
             <a:fld id="{C9846A49-030C-45A5-8D73-C8F089512261}" type="datetimeFigureOut">
               <a:rPr lang="en-US" smtClean="0"/>
-              <a:t>7/28/2016</a:t>
+              <a:t>10/3/17</a:t>
             </a:fld>
             <a:endParaRPr lang="en-US"/>
           </a:p>
@@ -2563,7 +2568,7 @@
           <a:p>
             <a:fld id="{C9846A49-030C-45A5-8D73-C8F089512261}" type="datetimeFigureOut">
               <a:rPr lang="en-US" smtClean="0"/>
-              <a:t>7/28/2016</a:t>
+              <a:t>10/3/17</a:t>
             </a:fld>
             <a:endParaRPr lang="en-US"/>
           </a:p>
@@ -2977,9 +2982,9 @@
         <p:grpSpPr>
           <a:xfrm>
             <a:off x="0" y="0"/>
-            <a:ext cx="18085733" cy="4176198"/>
+            <a:ext cx="18115529" cy="4117400"/>
             <a:chOff x="395784" y="1736870"/>
-            <a:chExt cx="10901678" cy="2517319"/>
+            <a:chExt cx="10919638" cy="2481877"/>
           </a:xfrm>
         </p:grpSpPr>
         <p:pic>
@@ -3022,7 +3027,7 @@
           </p:blipFill>
           <p:spPr>
             <a:xfrm>
-              <a:off x="2611225" y="1736871"/>
+              <a:off x="2598852" y="1736870"/>
               <a:ext cx="2132898" cy="2130526"/>
             </a:xfrm>
             <a:prstGeom prst="rect">
@@ -3046,7 +3051,7 @@
           </p:blipFill>
           <p:spPr>
             <a:xfrm>
-              <a:off x="4819537" y="1736870"/>
+              <a:off x="4795992" y="1736870"/>
               <a:ext cx="2132901" cy="2130526"/>
             </a:xfrm>
             <a:prstGeom prst="rect">
@@ -3070,8 +3075,8 @@
           </p:blipFill>
           <p:spPr>
             <a:xfrm>
-              <a:off x="7027849" y="1744821"/>
-              <a:ext cx="2105184" cy="2100501"/>
+              <a:off x="6993135" y="1744821"/>
+              <a:ext cx="2127307" cy="2122575"/>
             </a:xfrm>
             <a:prstGeom prst="rect">
               <a:avLst/>
@@ -3094,8 +3099,8 @@
           </p:blipFill>
           <p:spPr>
             <a:xfrm>
-              <a:off x="9208444" y="1744821"/>
-              <a:ext cx="2089018" cy="2086694"/>
+              <a:off x="9190483" y="1744821"/>
+              <a:ext cx="2124939" cy="2122575"/>
             </a:xfrm>
             <a:prstGeom prst="rect">
               <a:avLst/>
@@ -3111,7 +3116,7 @@
           <p:spPr>
             <a:xfrm>
               <a:off x="1003320" y="3818674"/>
-              <a:ext cx="932084" cy="425036"/>
+              <a:ext cx="932084" cy="389594"/>
             </a:xfrm>
             <a:prstGeom prst="rect">
               <a:avLst/>
@@ -3128,21 +3133,14 @@
             <a:lstStyle/>
             <a:p>
               <a:r>
-                <a:rPr lang="en-US" sz="3982" i="1" dirty="0">
+                <a:rPr lang="en-US" sz="3600" i="1" dirty="0">
                   <a:latin typeface="Times New Roman" panose="02020603050405020304" pitchFamily="18" charset="0"/>
                   <a:cs typeface="Times New Roman" panose="02020603050405020304" pitchFamily="18" charset="0"/>
                 </a:rPr>
-                <a:t>t</a:t>
+                <a:t>t </a:t>
               </a:r>
               <a:r>
-                <a:rPr lang="en-US" sz="2987" i="1" dirty="0">
-                  <a:latin typeface="Times New Roman" panose="02020603050405020304" pitchFamily="18" charset="0"/>
-                  <a:cs typeface="Times New Roman" panose="02020603050405020304" pitchFamily="18" charset="0"/>
-                </a:rPr>
-                <a:t> </a:t>
-              </a:r>
-              <a:r>
-                <a:rPr lang="en-US" sz="2987" dirty="0">
+                <a:rPr lang="en-US" sz="3600" dirty="0">
                   <a:latin typeface="Times New Roman" panose="02020603050405020304" pitchFamily="18" charset="0"/>
                   <a:cs typeface="Times New Roman" panose="02020603050405020304" pitchFamily="18" charset="0"/>
                 </a:rPr>
@@ -3160,7 +3158,7 @@
           <p:spPr>
             <a:xfrm>
               <a:off x="3211632" y="3818673"/>
-              <a:ext cx="932084" cy="425036"/>
+              <a:ext cx="932084" cy="389594"/>
             </a:xfrm>
             <a:prstGeom prst="rect">
               <a:avLst/>
@@ -3177,21 +3175,14 @@
             <a:lstStyle/>
             <a:p>
               <a:r>
-                <a:rPr lang="en-US" sz="3982" i="1" dirty="0">
+                <a:rPr lang="en-US" sz="3600" i="1" dirty="0">
                   <a:latin typeface="Times New Roman" panose="02020603050405020304" pitchFamily="18" charset="0"/>
                   <a:cs typeface="Times New Roman" panose="02020603050405020304" pitchFamily="18" charset="0"/>
                 </a:rPr>
-                <a:t>t</a:t>
+                <a:t>t </a:t>
               </a:r>
               <a:r>
-                <a:rPr lang="en-US" sz="2987" i="1" dirty="0">
-                  <a:latin typeface="Times New Roman" panose="02020603050405020304" pitchFamily="18" charset="0"/>
-                  <a:cs typeface="Times New Roman" panose="02020603050405020304" pitchFamily="18" charset="0"/>
-                </a:rPr>
-                <a:t> </a:t>
-              </a:r>
-              <a:r>
-                <a:rPr lang="en-US" sz="2987" dirty="0">
+                <a:rPr lang="en-US" sz="3600" dirty="0">
                   <a:latin typeface="Times New Roman" panose="02020603050405020304" pitchFamily="18" charset="0"/>
                   <a:cs typeface="Times New Roman" panose="02020603050405020304" pitchFamily="18" charset="0"/>
                 </a:rPr>
@@ -3209,7 +3200,7 @@
           <p:spPr>
             <a:xfrm>
               <a:off x="5495358" y="3818668"/>
-              <a:ext cx="932084" cy="425036"/>
+              <a:ext cx="932084" cy="389594"/>
             </a:xfrm>
             <a:prstGeom prst="rect">
               <a:avLst/>
@@ -3226,21 +3217,14 @@
             <a:lstStyle/>
             <a:p>
               <a:r>
-                <a:rPr lang="en-US" sz="3982" i="1" dirty="0">
+                <a:rPr lang="en-US" sz="3600" i="1" dirty="0">
                   <a:latin typeface="Times New Roman" panose="02020603050405020304" pitchFamily="18" charset="0"/>
                   <a:cs typeface="Times New Roman" panose="02020603050405020304" pitchFamily="18" charset="0"/>
                 </a:rPr>
-                <a:t>t</a:t>
+                <a:t>t </a:t>
               </a:r>
               <a:r>
-                <a:rPr lang="en-US" sz="2987" i="1" dirty="0">
-                  <a:latin typeface="Times New Roman" panose="02020603050405020304" pitchFamily="18" charset="0"/>
-                  <a:cs typeface="Times New Roman" panose="02020603050405020304" pitchFamily="18" charset="0"/>
-                </a:rPr>
-                <a:t> </a:t>
-              </a:r>
-              <a:r>
-                <a:rPr lang="en-US" sz="2987" dirty="0">
+                <a:rPr lang="en-US" sz="3600" dirty="0">
                   <a:latin typeface="Times New Roman" panose="02020603050405020304" pitchFamily="18" charset="0"/>
                   <a:cs typeface="Times New Roman" panose="02020603050405020304" pitchFamily="18" charset="0"/>
                 </a:rPr>
@@ -3258,7 +3242,7 @@
           <p:spPr>
             <a:xfrm>
               <a:off x="7623537" y="3829153"/>
-              <a:ext cx="932084" cy="425036"/>
+              <a:ext cx="932084" cy="389594"/>
             </a:xfrm>
             <a:prstGeom prst="rect">
               <a:avLst/>
@@ -3275,21 +3259,14 @@
             <a:lstStyle/>
             <a:p>
               <a:r>
-                <a:rPr lang="en-US" sz="3982" i="1" dirty="0">
+                <a:rPr lang="en-US" sz="3600" i="1" dirty="0">
                   <a:latin typeface="Times New Roman" panose="02020603050405020304" pitchFamily="18" charset="0"/>
                   <a:cs typeface="Times New Roman" panose="02020603050405020304" pitchFamily="18" charset="0"/>
                 </a:rPr>
-                <a:t>t</a:t>
+                <a:t>t </a:t>
               </a:r>
               <a:r>
-                <a:rPr lang="en-US" sz="2987" i="1" dirty="0">
-                  <a:latin typeface="Times New Roman" panose="02020603050405020304" pitchFamily="18" charset="0"/>
-                  <a:cs typeface="Times New Roman" panose="02020603050405020304" pitchFamily="18" charset="0"/>
-                </a:rPr>
-                <a:t> </a:t>
-              </a:r>
-              <a:r>
-                <a:rPr lang="en-US" sz="2987" dirty="0">
+                <a:rPr lang="en-US" sz="3600" dirty="0">
                   <a:latin typeface="Times New Roman" panose="02020603050405020304" pitchFamily="18" charset="0"/>
                   <a:cs typeface="Times New Roman" panose="02020603050405020304" pitchFamily="18" charset="0"/>
                 </a:rPr>
@@ -3307,7 +3284,7 @@
           <p:spPr>
             <a:xfrm>
               <a:off x="9679887" y="3818669"/>
-              <a:ext cx="1146132" cy="425036"/>
+              <a:ext cx="1146132" cy="389594"/>
             </a:xfrm>
             <a:prstGeom prst="rect">
               <a:avLst/>
@@ -3324,21 +3301,14 @@
             <a:lstStyle/>
             <a:p>
               <a:r>
-                <a:rPr lang="en-US" sz="3982" i="1" dirty="0">
+                <a:rPr lang="en-US" sz="3600" i="1" dirty="0">
                   <a:latin typeface="Times New Roman" panose="02020603050405020304" pitchFamily="18" charset="0"/>
                   <a:cs typeface="Times New Roman" panose="02020603050405020304" pitchFamily="18" charset="0"/>
                 </a:rPr>
-                <a:t>t</a:t>
+                <a:t>t </a:t>
               </a:r>
               <a:r>
-                <a:rPr lang="en-US" sz="3318" i="1" dirty="0">
-                  <a:latin typeface="Times New Roman" panose="02020603050405020304" pitchFamily="18" charset="0"/>
-                  <a:cs typeface="Times New Roman" panose="02020603050405020304" pitchFamily="18" charset="0"/>
-                </a:rPr>
-                <a:t> </a:t>
-              </a:r>
-              <a:r>
-                <a:rPr lang="en-US" sz="2987" dirty="0">
+                <a:rPr lang="en-US" sz="3600" dirty="0">
                   <a:latin typeface="Times New Roman" panose="02020603050405020304" pitchFamily="18" charset="0"/>
                   <a:cs typeface="Times New Roman" panose="02020603050405020304" pitchFamily="18" charset="0"/>
                 </a:rPr>
